--- a/presentation/poster.pptx
+++ b/presentation/poster.pptx
@@ -288,7 +288,7 @@
               </a14:hiddenEffects>
             </a:ext>
             <a:ext uri="{FAA26D3D-D897-4be2-8F04-BA451C77F1D7}">
-              <ma14:placeholderFlag xmlns:ma14="http://schemas.microsoft.com/office/mac/drawingml/2011/main" xmlns="" val="1"/>
+              <ma14:placeholderFlag xmlns:ma14="http://schemas.microsoft.com/office/mac/drawingml/2011/main" val="1"/>
             </a:ext>
           </a:extLst>
         </p:spPr>
@@ -346,7 +346,7 @@
               </a14:hiddenEffects>
             </a:ext>
             <a:ext uri="{FAA26D3D-D897-4be2-8F04-BA451C77F1D7}">
-              <ma14:placeholderFlag xmlns:ma14="http://schemas.microsoft.com/office/mac/drawingml/2011/main" xmlns="" val="1"/>
+              <ma14:placeholderFlag xmlns:ma14="http://schemas.microsoft.com/office/mac/drawingml/2011/main" val="1"/>
             </a:ext>
           </a:extLst>
         </p:spPr>
@@ -416,7 +416,7 @@
               </a14:hiddenEffects>
             </a:ext>
             <a:ext uri="{FAA26D3D-D897-4be2-8F04-BA451C77F1D7}">
-              <ma14:placeholderFlag xmlns:ma14="http://schemas.microsoft.com/office/mac/drawingml/2011/main" xmlns="" val="1"/>
+              <ma14:placeholderFlag xmlns:ma14="http://schemas.microsoft.com/office/mac/drawingml/2011/main" val="1"/>
             </a:ext>
           </a:extLst>
         </p:spPr>
@@ -505,7 +505,7 @@
               </a14:hiddenEffects>
             </a:ext>
             <a:ext uri="{FAA26D3D-D897-4be2-8F04-BA451C77F1D7}">
-              <ma14:placeholderFlag xmlns:ma14="http://schemas.microsoft.com/office/mac/drawingml/2011/main" xmlns="" val="1"/>
+              <ma14:placeholderFlag xmlns:ma14="http://schemas.microsoft.com/office/mac/drawingml/2011/main" val="1"/>
             </a:ext>
           </a:extLst>
         </p:spPr>
@@ -594,7 +594,7 @@
               </a14:hiddenEffects>
             </a:ext>
             <a:ext uri="{FAA26D3D-D897-4be2-8F04-BA451C77F1D7}">
-              <ma14:placeholderFlag xmlns:ma14="http://schemas.microsoft.com/office/mac/drawingml/2011/main" xmlns="" val="1"/>
+              <ma14:placeholderFlag xmlns:ma14="http://schemas.microsoft.com/office/mac/drawingml/2011/main" val="1"/>
             </a:ext>
           </a:extLst>
         </p:spPr>
@@ -683,7 +683,7 @@
               </a14:hiddenEffects>
             </a:ext>
             <a:ext uri="{FAA26D3D-D897-4be2-8F04-BA451C77F1D7}">
-              <ma14:placeholderFlag xmlns:ma14="http://schemas.microsoft.com/office/mac/drawingml/2011/main" xmlns="" val="1"/>
+              <ma14:placeholderFlag xmlns:ma14="http://schemas.microsoft.com/office/mac/drawingml/2011/main" val="1"/>
             </a:ext>
           </a:extLst>
         </p:spPr>
@@ -1027,7 +1027,7 @@
           <a:bodyPr wrap="none" anchor="ctr"/>
           <a:lstStyle/>
           <a:p>
-            <a:endParaRPr lang="x-none" altLang="x-none"/>
+            <a:endParaRPr lang="x-none" altLang="x-none" dirty="0"/>
           </a:p>
         </p:txBody>
       </p:sp>
@@ -3466,7 +3466,7 @@
               </a14:hiddenEffects>
             </a:ext>
             <a:ext uri="{FAA26D3D-D897-4be2-8F04-BA451C77F1D7}">
-              <ma14:placeholderFlag xmlns:ma14="http://schemas.microsoft.com/office/mac/drawingml/2011/main" xmlns="" val="1"/>
+              <ma14:placeholderFlag xmlns:ma14="http://schemas.microsoft.com/office/mac/drawingml/2011/main" val="1"/>
             </a:ext>
           </a:extLst>
         </p:spPr>
@@ -3539,7 +3539,7 @@
               </a14:hiddenEffects>
             </a:ext>
             <a:ext uri="{FAA26D3D-D897-4be2-8F04-BA451C77F1D7}">
-              <ma14:placeholderFlag xmlns:ma14="http://schemas.microsoft.com/office/mac/drawingml/2011/main" xmlns="" val="1"/>
+              <ma14:placeholderFlag xmlns:ma14="http://schemas.microsoft.com/office/mac/drawingml/2011/main" val="1"/>
             </a:ext>
           </a:extLst>
         </p:spPr>
@@ -3668,7 +3668,7 @@
               </a14:hiddenEffects>
             </a:ext>
             <a:ext uri="{FAA26D3D-D897-4be2-8F04-BA451C77F1D7}">
-              <ma14:placeholderFlag xmlns:ma14="http://schemas.microsoft.com/office/mac/drawingml/2011/main" xmlns="" val="1"/>
+              <ma14:placeholderFlag xmlns:ma14="http://schemas.microsoft.com/office/mac/drawingml/2011/main" val="1"/>
             </a:ext>
           </a:extLst>
         </p:spPr>
@@ -3764,7 +3764,7 @@
               </a14:hiddenEffects>
             </a:ext>
             <a:ext uri="{FAA26D3D-D897-4be2-8F04-BA451C77F1D7}">
-              <ma14:placeholderFlag xmlns:ma14="http://schemas.microsoft.com/office/mac/drawingml/2011/main" xmlns="" val="1"/>
+              <ma14:placeholderFlag xmlns:ma14="http://schemas.microsoft.com/office/mac/drawingml/2011/main" val="1"/>
             </a:ext>
           </a:extLst>
         </p:spPr>
@@ -3865,7 +3865,7 @@
               </a14:hiddenEffects>
             </a:ext>
             <a:ext uri="{FAA26D3D-D897-4be2-8F04-BA451C77F1D7}">
-              <ma14:placeholderFlag xmlns:ma14="http://schemas.microsoft.com/office/mac/drawingml/2011/main" xmlns="" val="1"/>
+              <ma14:placeholderFlag xmlns:ma14="http://schemas.microsoft.com/office/mac/drawingml/2011/main" val="1"/>
             </a:ext>
           </a:extLst>
         </p:spPr>
@@ -4669,23 +4669,7 @@
                   <a:srgbClr val="C00000"/>
                 </a:solidFill>
               </a:rPr>
-              <a:t> Handling Winter </a:t>
-            </a:r>
-            <a:r>
-              <a:rPr lang="en-US" sz="7200" dirty="0" smtClean="0">
-                <a:solidFill>
-                  <a:srgbClr val="C00000"/>
-                </a:solidFill>
-              </a:rPr>
-              <a:t>Storms </a:t>
-            </a:r>
-            <a:r>
-              <a:rPr lang="en-US" sz="7200" dirty="0" smtClean="0">
-                <a:solidFill>
-                  <a:srgbClr val="C00000"/>
-                </a:solidFill>
-              </a:rPr>
-              <a:t>in Boston</a:t>
+              <a:t> Handling Winter Storms in Boston</a:t>
             </a:r>
             <a:endParaRPr lang="en-US" sz="7200" dirty="0">
               <a:solidFill>
@@ -5123,7 +5107,7 @@
         <p:spPr>
           <a:xfrm>
             <a:off x="5893468" y="19652566"/>
-            <a:ext cx="4688304" cy="3527248"/>
+            <a:ext cx="4688304" cy="4901214"/>
           </a:xfrm>
           <a:prstGeom prst="rect">
             <a:avLst/>
@@ -5148,7 +5132,11 @@
             </a:pPr>
             <a:r>
               <a:rPr lang="en-US" sz="3600" dirty="0" smtClean="0"/>
-              <a:t>Google Maps</a:t>
+              <a:t>Google </a:t>
+            </a:r>
+            <a:r>
+              <a:rPr lang="en-US" sz="3600" dirty="0" smtClean="0"/>
+              <a:t>Maps</a:t>
             </a:r>
           </a:p>
           <a:p>
@@ -5158,15 +5146,8 @@
             </a:pPr>
             <a:r>
               <a:rPr lang="en-US" sz="3600" dirty="0" smtClean="0"/>
-              <a:t>[add more]</a:t>
-            </a:r>
-            <a:endParaRPr lang="en-US" sz="3600" dirty="0" smtClean="0"/>
-          </a:p>
-          <a:p>
-            <a:pPr marL="571500" indent="-571500">
-              <a:buFont typeface="Arial" panose="020B0604020202020204" pitchFamily="34" charset="0"/>
-              <a:buChar char="•"/>
-            </a:pPr>
+              <a:t>(to create visual and perform geocoding used for street markers.)</a:t>
+            </a:r>
             <a:endParaRPr lang="en-US" sz="3600" dirty="0" smtClean="0"/>
           </a:p>
           <a:p>
@@ -5187,7 +5168,7 @@
         <p:spPr>
           <a:xfrm>
             <a:off x="12547854" y="2886899"/>
-            <a:ext cx="10972800" cy="1126206"/>
+            <a:ext cx="10972800" cy="1237262"/>
           </a:xfrm>
           <a:prstGeom prst="rect">
             <a:avLst/>
@@ -5211,7 +5192,15 @@
                   <a:schemeClr val="bg1"/>
                 </a:solidFill>
               </a:rPr>
-              <a:t>Emergency Routes</a:t>
+              <a:t>Prioritizing </a:t>
+            </a:r>
+            <a:r>
+              <a:rPr lang="en-US" sz="6000" dirty="0" smtClean="0">
+                <a:solidFill>
+                  <a:schemeClr val="bg1"/>
+                </a:solidFill>
+              </a:rPr>
+              <a:t>Routes</a:t>
             </a:r>
             <a:endParaRPr lang="en-US" sz="7200" dirty="0">
               <a:solidFill>
@@ -5245,11 +5234,15 @@
           <a:p>
             <a:r>
               <a:rPr lang="en-US" sz="4000" dirty="0" smtClean="0"/>
-              <a:t>Boston Open Data has a collection of “Snow Emergency Routes” which denote streets to be flowed during a snow storm. Ou</a:t>
+              <a:t>Boston Open Data has a collection of “Snow Emergency </a:t>
             </a:r>
             <a:r>
               <a:rPr lang="en-US" sz="4000" dirty="0" smtClean="0"/>
-              <a:t>r first goal is to find a “high priority set” of smaller size than the original that still satisfies the constraint that all roads must be connected to at least one emergency route.</a:t>
+              <a:t>Routes;” streets critical to the movement of police, ambulances, etc</a:t>
+            </a:r>
+            <a:r>
+              <a:rPr lang="en-US" sz="4000" dirty="0" smtClean="0"/>
+              <a:t>. during snow emergencies. Using z3-solver, we found a list of “high-priority” emergency routes by applying the constraint that all roads in the city must be connected to at least one route.</a:t>
             </a:r>
             <a:endParaRPr lang="en-US" sz="4000" dirty="0"/>
           </a:p>
@@ -5263,8 +5256,8 @@
         </p:nvSpPr>
         <p:spPr>
           <a:xfrm>
-            <a:off x="12166854" y="10196431"/>
-            <a:ext cx="10972800" cy="1022844"/>
+            <a:off x="12569625" y="11447902"/>
+            <a:ext cx="10979136" cy="1126206"/>
           </a:xfrm>
           <a:prstGeom prst="rect">
             <a:avLst/>
@@ -5289,7 +5282,7 @@
                   <a:schemeClr val="bg1"/>
                 </a:solidFill>
               </a:rPr>
-              <a:t>Algorithm: Constraint Satisfaction</a:t>
+              <a:t>Visualization</a:t>
             </a:r>
             <a:endParaRPr lang="en-US" sz="6600" dirty="0">
               <a:solidFill>
@@ -5307,8 +5300,8 @@
         </p:nvSpPr>
         <p:spPr>
           <a:xfrm>
-            <a:off x="12166854" y="11596319"/>
-            <a:ext cx="10972800" cy="13068193"/>
+            <a:off x="12547854" y="12909429"/>
+            <a:ext cx="10972800" cy="3908762"/>
           </a:xfrm>
           <a:prstGeom prst="rect">
             <a:avLst/>
@@ -5323,80 +5316,19 @@
           <a:p>
             <a:r>
               <a:rPr lang="en-US" sz="4000" dirty="0" smtClean="0"/>
-              <a:t>Using z3-solver, a library made by Microsoft to solve constraint satisfaction problems efficiently with linear programming, </a:t>
-            </a:r>
-            <a:r>
-              <a:rPr lang="en-US" sz="4000" b="1" dirty="0" smtClean="0"/>
-              <a:t>[explain </a:t>
-            </a:r>
-            <a:r>
-              <a:rPr lang="en-US" sz="4000" b="1" dirty="0" err="1" smtClean="0"/>
-              <a:t>algo</a:t>
-            </a:r>
-            <a:r>
-              <a:rPr lang="en-US" sz="4000" b="1" dirty="0" smtClean="0"/>
-              <a:t> here]</a:t>
-            </a:r>
-          </a:p>
-          <a:p>
+              <a:t>We highlighted our high priority routes (defined above), and made a </a:t>
+            </a:r>
+            <a:r>
+              <a:rPr lang="en-US" sz="4000" dirty="0" err="1" smtClean="0"/>
+              <a:t>heatmap</a:t>
+            </a:r>
+            <a:r>
+              <a:rPr lang="en-US" sz="4000" dirty="0" smtClean="0"/>
+              <a:t> overlay whose epicenters correspond to the centroids we obtained by running k-means.</a:t>
+            </a:r>
             <a:endParaRPr lang="en-US" sz="4000" b="1" dirty="0" smtClean="0"/>
           </a:p>
           <a:p>
-            <a:endParaRPr lang="en-US" sz="4000" b="1" dirty="0"/>
-          </a:p>
-          <a:p>
-            <a:r>
-              <a:rPr lang="en-US" sz="4000" b="1" dirty="0" smtClean="0"/>
-              <a:t>--------------------------------------------------------------</a:t>
-            </a:r>
-            <a:endParaRPr lang="en-US" sz="4000" b="1" dirty="0"/>
-          </a:p>
-          <a:p>
-            <a:endParaRPr lang="en-US" sz="4000" b="1" dirty="0" smtClean="0"/>
-          </a:p>
-          <a:p>
-            <a:endParaRPr lang="en-US" sz="4000" b="1" dirty="0"/>
-          </a:p>
-          <a:p>
-            <a:endParaRPr lang="en-US" sz="4000" b="1" dirty="0" smtClean="0"/>
-          </a:p>
-          <a:p>
-            <a:endParaRPr lang="en-US" sz="4000" b="1" dirty="0" smtClean="0"/>
-          </a:p>
-          <a:p>
-            <a:r>
-              <a:rPr lang="en-US" sz="4000" b="1" dirty="0" smtClean="0"/>
-              <a:t>[put screen cap here]</a:t>
-            </a:r>
-          </a:p>
-          <a:p>
-            <a:endParaRPr lang="en-US" sz="4000" b="1" dirty="0"/>
-          </a:p>
-          <a:p>
-            <a:endParaRPr lang="en-US" sz="4000" b="1" dirty="0" smtClean="0"/>
-          </a:p>
-          <a:p>
-            <a:endParaRPr lang="en-US" sz="4000" b="1" dirty="0"/>
-          </a:p>
-          <a:p>
-            <a:endParaRPr lang="en-US" sz="4000" b="1" dirty="0" smtClean="0"/>
-          </a:p>
-          <a:p>
-            <a:r>
-              <a:rPr lang="en-US" sz="4000" b="1" dirty="0" smtClean="0"/>
-              <a:t>--------------------------------------------------------------</a:t>
-            </a:r>
-            <a:endParaRPr lang="en-US" sz="4000" b="1" dirty="0"/>
-          </a:p>
-          <a:p>
-            <a:r>
-              <a:rPr lang="en-US" sz="4000" b="1" dirty="0" smtClean="0"/>
-              <a:t>[caption for screen cap here</a:t>
-            </a:r>
-            <a:r>
-              <a:rPr lang="en-US" sz="4000" b="1" dirty="0" smtClean="0"/>
-              <a:t>]</a:t>
-            </a:r>
             <a:endParaRPr lang="en-US" sz="4000" b="1" dirty="0"/>
           </a:p>
         </p:txBody>
@@ -5453,7 +5385,7 @@
         <p:spPr>
           <a:xfrm>
             <a:off x="24775991" y="4384053"/>
-            <a:ext cx="10972800" cy="5435334"/>
+            <a:ext cx="10972800" cy="6198620"/>
           </a:xfrm>
           <a:prstGeom prst="rect">
             <a:avLst/>
@@ -5468,7 +5400,27 @@
           <a:p>
             <a:r>
               <a:rPr lang="en-US" sz="4000" dirty="0" smtClean="0"/>
-              <a:t>Using Analyze Boston’s 2017 Property Assessment dataset, we were able to assign priorities via property type (i.e. a hospital is ranked higher than an office building) with the goal of finding k locations (with k being an input value) that should be prioritized by the city after clearing the emergency routes. </a:t>
+              <a:t>Using Analyze Boston’s </a:t>
+            </a:r>
+            <a:r>
+              <a:rPr lang="en-US" sz="4000" dirty="0" smtClean="0"/>
+              <a:t>“2017 Property Assessment” </a:t>
+            </a:r>
+            <a:r>
+              <a:rPr lang="en-US" sz="4000" dirty="0" smtClean="0"/>
+              <a:t>dataset, </a:t>
+            </a:r>
+            <a:r>
+              <a:rPr lang="en-US" sz="4000" dirty="0" smtClean="0"/>
+              <a:t>we selected high priority property types like hospitals, elderly homes, and schools. We then used the </a:t>
+            </a:r>
+            <a:r>
+              <a:rPr lang="en-US" sz="4000" dirty="0" err="1" smtClean="0"/>
+              <a:t>sklearn</a:t>
+            </a:r>
+            <a:r>
+              <a:rPr lang="en-US" sz="4000" dirty="0" smtClean="0"/>
+              <a:t> Python library to run k-means on a list of these properties’ coordinates, returning k-centroids each denoting an area of importance, as well as their nearest building of importance.</a:t>
             </a:r>
             <a:endParaRPr lang="en-US" sz="4000" dirty="0"/>
           </a:p>
@@ -5482,8 +5434,8 @@
         </p:nvSpPr>
         <p:spPr>
           <a:xfrm>
-            <a:off x="24394991" y="10196431"/>
-            <a:ext cx="10972800" cy="1122743"/>
+            <a:off x="23548761" y="11452312"/>
+            <a:ext cx="11978960" cy="1122743"/>
           </a:xfrm>
           <a:prstGeom prst="rect">
             <a:avLst/>
@@ -5508,7 +5460,7 @@
                   <a:schemeClr val="bg1"/>
                 </a:solidFill>
               </a:rPr>
-              <a:t>Algorithm: k-means</a:t>
+              <a:t>Provenance Model</a:t>
             </a:r>
             <a:endParaRPr lang="en-US" sz="6600" dirty="0">
               <a:solidFill>
@@ -5518,16 +5470,89 @@
           </a:p>
         </p:txBody>
       </p:sp>
-      <p:sp>
-        <p:nvSpPr>
-          <p:cNvPr id="25" name="TextBox 24"/>
+      <p:pic>
+        <p:nvPicPr>
+          <p:cNvPr id="15" name="Picture 14"/>
+          <p:cNvPicPr>
+            <a:picLocks noChangeAspect="1"/>
+          </p:cNvPicPr>
+          <p:nvPr/>
+        </p:nvPicPr>
+        <p:blipFill>
+          <a:blip r:embed="rId6">
+            <a:extLst>
+              <a:ext uri="{28A0092B-C50C-407E-A947-70E740481C1C}">
+                <a14:useLocalDpi xmlns:a14="http://schemas.microsoft.com/office/drawing/2010/main" val="0"/>
+              </a:ext>
+            </a:extLst>
+          </a:blip>
+          <a:stretch>
+            <a:fillRect/>
+          </a:stretch>
+        </p:blipFill>
+        <p:spPr>
+          <a:xfrm>
+            <a:off x="12547854" y="16064817"/>
+            <a:ext cx="10972800" cy="5921344"/>
+          </a:xfrm>
+          <a:prstGeom prst="rect">
+            <a:avLst/>
+          </a:prstGeom>
+          <a:ln>
+            <a:solidFill>
+              <a:schemeClr val="tx1"/>
+            </a:solidFill>
+          </a:ln>
+          <a:effectLst>
+            <a:softEdge rad="0"/>
+          </a:effectLst>
+        </p:spPr>
+      </p:pic>
+      <p:pic>
+        <p:nvPicPr>
+          <p:cNvPr id="27" name="Picture 26"/>
+          <p:cNvPicPr>
+            <a:picLocks noChangeAspect="1"/>
+          </p:cNvPicPr>
+          <p:nvPr/>
+        </p:nvPicPr>
+        <p:blipFill>
+          <a:blip r:embed="rId7">
+            <a:extLst>
+              <a:ext uri="{28A0092B-C50C-407E-A947-70E740481C1C}">
+                <a14:useLocalDpi xmlns:a14="http://schemas.microsoft.com/office/drawing/2010/main" val="0"/>
+              </a:ext>
+            </a:extLst>
+          </a:blip>
+          <a:stretch>
+            <a:fillRect/>
+          </a:stretch>
+        </p:blipFill>
+        <p:spPr>
+          <a:xfrm>
+            <a:off x="24554922" y="16028470"/>
+            <a:ext cx="10972800" cy="5921344"/>
+          </a:xfrm>
+          <a:prstGeom prst="rect">
+            <a:avLst/>
+          </a:prstGeom>
+          <a:ln>
+            <a:solidFill>
+              <a:schemeClr val="tx1"/>
+            </a:solidFill>
+          </a:ln>
+        </p:spPr>
+      </p:pic>
+      <p:sp>
+        <p:nvSpPr>
+          <p:cNvPr id="29" name="TextBox 28"/>
           <p:cNvSpPr txBox="1"/>
           <p:nvPr/>
         </p:nvSpPr>
         <p:spPr>
           <a:xfrm>
-            <a:off x="24394991" y="11596319"/>
-            <a:ext cx="10972800" cy="13068193"/>
+            <a:off x="24394991" y="22260441"/>
+            <a:ext cx="10972800" cy="3908762"/>
           </a:xfrm>
           <a:prstGeom prst="rect">
             <a:avLst/>
@@ -5542,95 +5567,83 @@
           <a:p>
             <a:r>
               <a:rPr lang="en-US" sz="4000" dirty="0" smtClean="0"/>
-              <a:t>The </a:t>
-            </a:r>
-            <a:r>
-              <a:rPr lang="en-US" sz="4000" dirty="0" err="1" smtClean="0"/>
-              <a:t>sklearn</a:t>
-            </a:r>
+              <a:t>First, we select a list of traffic signals forming intersections on each route, and aggregate the list of intersecting streets. We flip this key-value pair, with each key being a road, and each value being a list of routes. We then run z3.</a:t>
+            </a:r>
+            <a:endParaRPr lang="en-US" sz="4000" b="1" dirty="0" smtClean="0"/>
+          </a:p>
+        </p:txBody>
+      </p:sp>
+      <p:sp>
+        <p:nvSpPr>
+          <p:cNvPr id="30" name="TextBox 29"/>
+          <p:cNvSpPr txBox="1"/>
+          <p:nvPr/>
+        </p:nvSpPr>
+        <p:spPr>
+          <a:xfrm>
+            <a:off x="12547854" y="22259882"/>
+            <a:ext cx="10972800" cy="3908762"/>
+          </a:xfrm>
+          <a:prstGeom prst="rect">
+            <a:avLst/>
+          </a:prstGeom>
+          <a:noFill/>
+        </p:spPr>
+        <p:txBody>
+          <a:bodyPr wrap="square" rtlCol="0">
+            <a:spAutoFit/>
+          </a:bodyPr>
+          <a:lstStyle/>
+          <a:p>
             <a:r>
               <a:rPr lang="en-US" sz="4000" dirty="0" smtClean="0"/>
-              <a:t> Python library contains a built in function to run k-means</a:t>
-            </a:r>
+              <a:t>We also marked each highlighted route with its distance to its nearest centroid. The route with the smallest distance is the route of highest priority, followed by the route with the next smallest distance, and so on.</a:t>
+            </a:r>
+            <a:endParaRPr lang="en-US" sz="4000" dirty="0"/>
+          </a:p>
+        </p:txBody>
+      </p:sp>
+      <p:sp>
+        <p:nvSpPr>
+          <p:cNvPr id="31" name="TextBox 30"/>
+          <p:cNvSpPr txBox="1"/>
+          <p:nvPr/>
+        </p:nvSpPr>
+        <p:spPr>
+          <a:xfrm>
+            <a:off x="24394991" y="12905882"/>
+            <a:ext cx="10972800" cy="3908762"/>
+          </a:xfrm>
+          <a:prstGeom prst="rect">
+            <a:avLst/>
+          </a:prstGeom>
+          <a:noFill/>
+        </p:spPr>
+        <p:txBody>
+          <a:bodyPr wrap="square" rtlCol="0">
+            <a:spAutoFit/>
+          </a:bodyPr>
+          <a:lstStyle/>
+          <a:p>
             <a:r>
               <a:rPr lang="en-US" sz="4000" dirty="0" smtClean="0"/>
-              <a:t> </a:t>
-            </a:r>
-            <a:r>
-              <a:rPr lang="en-US" sz="4000" b="1" dirty="0" smtClean="0"/>
-              <a:t>[explain </a:t>
-            </a:r>
-            <a:r>
-              <a:rPr lang="en-US" sz="4000" b="1" dirty="0" err="1" smtClean="0"/>
-              <a:t>algo</a:t>
-            </a:r>
-            <a:r>
-              <a:rPr lang="en-US" sz="4000" b="1" dirty="0" smtClean="0"/>
-              <a:t> here]</a:t>
-            </a:r>
-          </a:p>
-          <a:p>
-            <a:endParaRPr lang="en-US" sz="4000" b="1" dirty="0" smtClean="0"/>
-          </a:p>
-          <a:p>
-            <a:endParaRPr lang="en-US" sz="4000" b="1" dirty="0" smtClean="0"/>
-          </a:p>
-          <a:p>
-            <a:endParaRPr lang="en-US" sz="4000" b="1" dirty="0"/>
-          </a:p>
-          <a:p>
-            <a:r>
-              <a:rPr lang="en-US" sz="4000" b="1" dirty="0" smtClean="0"/>
-              <a:t>--------------------------------------------------------------</a:t>
-            </a:r>
-            <a:endParaRPr lang="en-US" sz="4000" b="1" dirty="0"/>
-          </a:p>
-          <a:p>
-            <a:endParaRPr lang="en-US" sz="4000" b="1" dirty="0" smtClean="0"/>
-          </a:p>
-          <a:p>
-            <a:endParaRPr lang="en-US" sz="4000" b="1" dirty="0"/>
-          </a:p>
-          <a:p>
-            <a:endParaRPr lang="en-US" sz="4000" b="1" dirty="0" smtClean="0"/>
-          </a:p>
-          <a:p>
-            <a:endParaRPr lang="en-US" sz="4000" b="1" dirty="0" smtClean="0"/>
-          </a:p>
-          <a:p>
-            <a:r>
-              <a:rPr lang="en-US" sz="4000" b="1" dirty="0" smtClean="0"/>
-              <a:t>[put screen cap here]</a:t>
-            </a:r>
-          </a:p>
-          <a:p>
-            <a:endParaRPr lang="en-US" sz="4000" b="1" dirty="0"/>
-          </a:p>
-          <a:p>
-            <a:endParaRPr lang="en-US" sz="4000" b="1" dirty="0" smtClean="0"/>
-          </a:p>
-          <a:p>
-            <a:endParaRPr lang="en-US" sz="4000" b="1" dirty="0"/>
-          </a:p>
-          <a:p>
-            <a:endParaRPr lang="en-US" sz="4000" b="1" dirty="0" smtClean="0"/>
-          </a:p>
-          <a:p>
-            <a:r>
-              <a:rPr lang="en-US" sz="4000" b="1" dirty="0" smtClean="0"/>
-              <a:t>--------------------------------------------------------------</a:t>
-            </a:r>
-            <a:endParaRPr lang="en-US" sz="4000" b="1" dirty="0"/>
-          </a:p>
-          <a:p>
-            <a:r>
-              <a:rPr lang="en-US" sz="4000" b="1" dirty="0" smtClean="0"/>
-              <a:t>[caption for screen cap here</a:t>
-            </a:r>
-            <a:r>
-              <a:rPr lang="en-US" sz="4000" b="1" dirty="0" smtClean="0"/>
-              <a:t>]</a:t>
-            </a:r>
+              <a:t>The flow of data to obtain the k-means result is relatively straightforward. We simply perform a selection on the property types deemed important.</a:t>
+            </a:r>
+            <a:r>
+              <a:rPr lang="en-US" sz="4000" dirty="0"/>
+              <a:t> Finding each route is more </a:t>
+            </a:r>
+            <a:r>
+              <a:rPr lang="en-US" sz="4000" dirty="0" smtClean="0"/>
+              <a:t>involved</a:t>
+            </a:r>
+            <a:r>
+              <a:rPr lang="en-US" sz="4000" dirty="0"/>
+              <a:t>:</a:t>
+            </a:r>
+            <a:endParaRPr lang="en-US" sz="4000" dirty="0" smtClean="0"/>
+          </a:p>
+          <a:p>
             <a:endParaRPr lang="en-US" sz="4000" b="1" dirty="0"/>
           </a:p>
         </p:txBody>

--- a/presentation/poster.pptx
+++ b/presentation/poster.pptx
@@ -5508,9 +5508,114 @@
           </a:effectLst>
         </p:spPr>
       </p:pic>
+      <p:sp>
+        <p:nvSpPr>
+          <p:cNvPr id="29" name="TextBox 28"/>
+          <p:cNvSpPr txBox="1"/>
+          <p:nvPr/>
+        </p:nvSpPr>
+        <p:spPr>
+          <a:xfrm>
+            <a:off x="24394991" y="22260441"/>
+            <a:ext cx="10972800" cy="3908762"/>
+          </a:xfrm>
+          <a:prstGeom prst="rect">
+            <a:avLst/>
+          </a:prstGeom>
+          <a:noFill/>
+        </p:spPr>
+        <p:txBody>
+          <a:bodyPr wrap="square" rtlCol="0">
+            <a:spAutoFit/>
+          </a:bodyPr>
+          <a:lstStyle/>
+          <a:p>
+            <a:r>
+              <a:rPr lang="en-US" sz="4000" dirty="0" smtClean="0"/>
+              <a:t>First, we select a list of traffic signals forming intersections on each route, and aggregate the list of intersecting streets. We flip this key-value pair, with each key being a road, and each value being a list of routes. We then run z3.</a:t>
+            </a:r>
+            <a:endParaRPr lang="en-US" sz="4000" b="1" dirty="0" smtClean="0"/>
+          </a:p>
+        </p:txBody>
+      </p:sp>
+      <p:sp>
+        <p:nvSpPr>
+          <p:cNvPr id="30" name="TextBox 29"/>
+          <p:cNvSpPr txBox="1"/>
+          <p:nvPr/>
+        </p:nvSpPr>
+        <p:spPr>
+          <a:xfrm>
+            <a:off x="12547854" y="22259882"/>
+            <a:ext cx="10972800" cy="3908762"/>
+          </a:xfrm>
+          <a:prstGeom prst="rect">
+            <a:avLst/>
+          </a:prstGeom>
+          <a:noFill/>
+        </p:spPr>
+        <p:txBody>
+          <a:bodyPr wrap="square" rtlCol="0">
+            <a:spAutoFit/>
+          </a:bodyPr>
+          <a:lstStyle/>
+          <a:p>
+            <a:r>
+              <a:rPr lang="en-US" sz="4000" dirty="0" smtClean="0"/>
+              <a:t>We also marked each highlighted route with its distance to its nearest centroid. The route with the smallest distance is the route of highest priority, followed by the route with the next smallest distance, and so on.</a:t>
+            </a:r>
+            <a:endParaRPr lang="en-US" sz="4000" dirty="0"/>
+          </a:p>
+        </p:txBody>
+      </p:sp>
+      <p:sp>
+        <p:nvSpPr>
+          <p:cNvPr id="31" name="TextBox 30"/>
+          <p:cNvSpPr txBox="1"/>
+          <p:nvPr/>
+        </p:nvSpPr>
+        <p:spPr>
+          <a:xfrm>
+            <a:off x="24394991" y="12905882"/>
+            <a:ext cx="10972800" cy="3908762"/>
+          </a:xfrm>
+          <a:prstGeom prst="rect">
+            <a:avLst/>
+          </a:prstGeom>
+          <a:noFill/>
+        </p:spPr>
+        <p:txBody>
+          <a:bodyPr wrap="square" rtlCol="0">
+            <a:spAutoFit/>
+          </a:bodyPr>
+          <a:lstStyle/>
+          <a:p>
+            <a:r>
+              <a:rPr lang="en-US" sz="4000" dirty="0" smtClean="0"/>
+              <a:t>The flow of data to obtain the k-means result is relatively straightforward. We simply perform a selection on the property types deemed important.</a:t>
+            </a:r>
+            <a:r>
+              <a:rPr lang="en-US" sz="4000" dirty="0"/>
+              <a:t> Finding each route is more </a:t>
+            </a:r>
+            <a:r>
+              <a:rPr lang="en-US" sz="4000" dirty="0" smtClean="0"/>
+              <a:t>involved</a:t>
+            </a:r>
+            <a:r>
+              <a:rPr lang="en-US" sz="4000" dirty="0"/>
+              <a:t>:</a:t>
+            </a:r>
+            <a:endParaRPr lang="en-US" sz="4000" dirty="0" smtClean="0"/>
+          </a:p>
+          <a:p>
+            <a:endParaRPr lang="en-US" sz="4000" b="1" dirty="0"/>
+          </a:p>
+        </p:txBody>
+      </p:sp>
       <p:pic>
         <p:nvPicPr>
-          <p:cNvPr id="27" name="Picture 26"/>
+          <p:cNvPr id="32" name="Picture 31"/>
           <p:cNvPicPr>
             <a:picLocks noChangeAspect="1"/>
           </p:cNvPicPr>
@@ -5530,7 +5635,7 @@
         </p:blipFill>
         <p:spPr>
           <a:xfrm>
-            <a:off x="24554922" y="16028470"/>
+            <a:off x="24394991" y="16064817"/>
             <a:ext cx="10972800" cy="5921344"/>
           </a:xfrm>
           <a:prstGeom prst="rect">
@@ -5543,111 +5648,6 @@
           </a:ln>
         </p:spPr>
       </p:pic>
-      <p:sp>
-        <p:nvSpPr>
-          <p:cNvPr id="29" name="TextBox 28"/>
-          <p:cNvSpPr txBox="1"/>
-          <p:nvPr/>
-        </p:nvSpPr>
-        <p:spPr>
-          <a:xfrm>
-            <a:off x="24394991" y="22260441"/>
-            <a:ext cx="10972800" cy="3908762"/>
-          </a:xfrm>
-          <a:prstGeom prst="rect">
-            <a:avLst/>
-          </a:prstGeom>
-          <a:noFill/>
-        </p:spPr>
-        <p:txBody>
-          <a:bodyPr wrap="square" rtlCol="0">
-            <a:spAutoFit/>
-          </a:bodyPr>
-          <a:lstStyle/>
-          <a:p>
-            <a:r>
-              <a:rPr lang="en-US" sz="4000" dirty="0" smtClean="0"/>
-              <a:t>First, we select a list of traffic signals forming intersections on each route, and aggregate the list of intersecting streets. We flip this key-value pair, with each key being a road, and each value being a list of routes. We then run z3.</a:t>
-            </a:r>
-            <a:endParaRPr lang="en-US" sz="4000" b="1" dirty="0" smtClean="0"/>
-          </a:p>
-        </p:txBody>
-      </p:sp>
-      <p:sp>
-        <p:nvSpPr>
-          <p:cNvPr id="30" name="TextBox 29"/>
-          <p:cNvSpPr txBox="1"/>
-          <p:nvPr/>
-        </p:nvSpPr>
-        <p:spPr>
-          <a:xfrm>
-            <a:off x="12547854" y="22259882"/>
-            <a:ext cx="10972800" cy="3908762"/>
-          </a:xfrm>
-          <a:prstGeom prst="rect">
-            <a:avLst/>
-          </a:prstGeom>
-          <a:noFill/>
-        </p:spPr>
-        <p:txBody>
-          <a:bodyPr wrap="square" rtlCol="0">
-            <a:spAutoFit/>
-          </a:bodyPr>
-          <a:lstStyle/>
-          <a:p>
-            <a:r>
-              <a:rPr lang="en-US" sz="4000" dirty="0" smtClean="0"/>
-              <a:t>We also marked each highlighted route with its distance to its nearest centroid. The route with the smallest distance is the route of highest priority, followed by the route with the next smallest distance, and so on.</a:t>
-            </a:r>
-            <a:endParaRPr lang="en-US" sz="4000" dirty="0"/>
-          </a:p>
-        </p:txBody>
-      </p:sp>
-      <p:sp>
-        <p:nvSpPr>
-          <p:cNvPr id="31" name="TextBox 30"/>
-          <p:cNvSpPr txBox="1"/>
-          <p:nvPr/>
-        </p:nvSpPr>
-        <p:spPr>
-          <a:xfrm>
-            <a:off x="24394991" y="12905882"/>
-            <a:ext cx="10972800" cy="3908762"/>
-          </a:xfrm>
-          <a:prstGeom prst="rect">
-            <a:avLst/>
-          </a:prstGeom>
-          <a:noFill/>
-        </p:spPr>
-        <p:txBody>
-          <a:bodyPr wrap="square" rtlCol="0">
-            <a:spAutoFit/>
-          </a:bodyPr>
-          <a:lstStyle/>
-          <a:p>
-            <a:r>
-              <a:rPr lang="en-US" sz="4000" dirty="0" smtClean="0"/>
-              <a:t>The flow of data to obtain the k-means result is relatively straightforward. We simply perform a selection on the property types deemed important.</a:t>
-            </a:r>
-            <a:r>
-              <a:rPr lang="en-US" sz="4000" dirty="0"/>
-              <a:t> Finding each route is more </a:t>
-            </a:r>
-            <a:r>
-              <a:rPr lang="en-US" sz="4000" dirty="0" smtClean="0"/>
-              <a:t>involved</a:t>
-            </a:r>
-            <a:r>
-              <a:rPr lang="en-US" sz="4000" dirty="0"/>
-              <a:t>:</a:t>
-            </a:r>
-            <a:endParaRPr lang="en-US" sz="4000" dirty="0" smtClean="0"/>
-          </a:p>
-          <a:p>
-            <a:endParaRPr lang="en-US" sz="4000" b="1" dirty="0"/>
-          </a:p>
-        </p:txBody>
-      </p:sp>
     </p:spTree>
   </p:cSld>
   <p:clrMapOvr>

--- a/presentation/poster.pptx
+++ b/presentation/poster.pptx
@@ -1027,7 +1027,7 @@
           <a:bodyPr wrap="none" anchor="ctr"/>
           <a:lstStyle/>
           <a:p>
-            <a:endParaRPr lang="x-none" altLang="x-none"/>
+            <a:endParaRPr lang="x-none" altLang="x-none" dirty="0"/>
           </a:p>
         </p:txBody>
       </p:sp>
@@ -4502,8 +4502,8 @@
         </p:nvSpPr>
         <p:spPr>
           <a:xfrm>
-            <a:off x="25551127" y="25926972"/>
-            <a:ext cx="3222059" cy="1122743"/>
+            <a:off x="28079272" y="26360239"/>
+            <a:ext cx="2476928" cy="855619"/>
           </a:xfrm>
           <a:prstGeom prst="rect">
             <a:avLst/>
@@ -4517,18 +4517,18 @@
           <a:lstStyle/>
           <a:p>
             <a:r>
-              <a:rPr lang="en-US" sz="5400" dirty="0" err="1"/>
+              <a:rPr lang="en-US" sz="4000" dirty="0" err="1"/>
               <a:t>b</a:t>
             </a:r>
             <a:r>
-              <a:rPr lang="en-US" sz="5400" dirty="0" err="1" smtClean="0"/>
+              <a:rPr lang="en-US" sz="4000" dirty="0" err="1" smtClean="0"/>
               <a:t>u.edu</a:t>
             </a:r>
             <a:r>
-              <a:rPr lang="en-US" sz="5400" dirty="0" smtClean="0"/>
+              <a:rPr lang="en-US" sz="4000" dirty="0" smtClean="0"/>
               <a:t>/cs</a:t>
             </a:r>
-            <a:endParaRPr lang="en-US" sz="5400" dirty="0"/>
+            <a:endParaRPr lang="en-US" sz="4000" dirty="0"/>
           </a:p>
         </p:txBody>
       </p:sp>
@@ -4540,8 +4540,8 @@
         </p:nvGrpSpPr>
         <p:grpSpPr>
           <a:xfrm>
-            <a:off x="28773186" y="25854277"/>
-            <a:ext cx="2461968" cy="1268136"/>
+            <a:off x="30556200" y="26265254"/>
+            <a:ext cx="2036954" cy="1075143"/>
             <a:chOff x="5222240" y="4864670"/>
             <a:chExt cx="1767332" cy="910336"/>
           </a:xfrm>
@@ -4615,8 +4615,8 @@
         </p:nvSpPr>
         <p:spPr>
           <a:xfrm>
-            <a:off x="31494868" y="25984200"/>
-            <a:ext cx="4226491" cy="1008289"/>
+            <a:off x="32782055" y="26360239"/>
+            <a:ext cx="3496864" cy="781561"/>
           </a:xfrm>
           <a:prstGeom prst="rect">
             <a:avLst/>
@@ -4630,14 +4630,14 @@
           <a:lstStyle/>
           <a:p>
             <a:r>
-              <a:rPr lang="en-US" sz="4800" dirty="0"/>
+              <a:rPr lang="en-US" sz="4000" dirty="0"/>
               <a:t>@</a:t>
             </a:r>
             <a:r>
-              <a:rPr lang="en-US" sz="4800" dirty="0" err="1" smtClean="0"/>
+              <a:rPr lang="en-US" sz="4000" dirty="0" err="1" smtClean="0"/>
               <a:t>BUCompSci</a:t>
             </a:r>
-            <a:endParaRPr lang="en-US" sz="4800" dirty="0"/>
+            <a:endParaRPr lang="en-US" sz="4000" dirty="0"/>
           </a:p>
         </p:txBody>
       </p:sp>
@@ -4649,8 +4649,8 @@
         </p:nvSpPr>
         <p:spPr>
           <a:xfrm>
-            <a:off x="17754600" y="381000"/>
-            <a:ext cx="16411074" cy="1332994"/>
+            <a:off x="17145000" y="307226"/>
+            <a:ext cx="17706474" cy="1771575"/>
           </a:xfrm>
           <a:prstGeom prst="rect">
             <a:avLst/>
@@ -4664,30 +4664,14 @@
           <a:lstStyle/>
           <a:p>
             <a:r>
-              <a:rPr lang="en-US" sz="7200" dirty="0" smtClean="0">
+              <a:rPr lang="en-US" sz="8800" dirty="0" smtClean="0">
                 <a:solidFill>
                   <a:srgbClr val="C00000"/>
                 </a:solidFill>
               </a:rPr>
-              <a:t> Handling Winter </a:t>
-            </a:r>
-            <a:r>
-              <a:rPr lang="en-US" sz="7200" dirty="0" smtClean="0">
-                <a:solidFill>
-                  <a:srgbClr val="C00000"/>
-                </a:solidFill>
-              </a:rPr>
-              <a:t>Storms </a:t>
-            </a:r>
-            <a:r>
-              <a:rPr lang="en-US" sz="7200" dirty="0" smtClean="0">
-                <a:solidFill>
-                  <a:srgbClr val="C00000"/>
-                </a:solidFill>
-              </a:rPr>
-              <a:t>in Boston</a:t>
-            </a:r>
-            <a:endParaRPr lang="en-US" sz="7200" dirty="0">
+              <a:t> Handling Winter Storms in Boston</a:t>
+            </a:r>
+            <a:endParaRPr lang="en-US" sz="8800" dirty="0">
               <a:solidFill>
                 <a:srgbClr val="C00000"/>
               </a:solidFill>
@@ -4784,7 +4768,7 @@
         </p:nvSpPr>
         <p:spPr>
           <a:xfrm>
-            <a:off x="978568" y="4424329"/>
+            <a:off x="978567" y="4385256"/>
             <a:ext cx="9829800" cy="6198620"/>
           </a:xfrm>
           <a:prstGeom prst="rect">
@@ -4815,14 +4799,26 @@
               <a:t>traffic </a:t>
             </a:r>
             <a:r>
+              <a:rPr lang="en-US" sz="4000" dirty="0" smtClean="0"/>
+              <a:t>backup, </a:t>
+            </a:r>
+            <a:r>
               <a:rPr lang="en-US" sz="4000" dirty="0"/>
-              <a:t>backup to more serious concerns like roads to hospitals being blocked,</a:t>
+              <a:t>to more serious concerns like roads to hospitals being blocked,</a:t>
             </a:r>
           </a:p>
           <a:p>
             <a:r>
               <a:rPr lang="en-US" sz="4000" dirty="0"/>
-              <a:t>it's important to clear snow from roads as </a:t>
+              <a:t>i</a:t>
+            </a:r>
+            <a:r>
+              <a:rPr lang="en-US" sz="4000" dirty="0" smtClean="0"/>
+              <a:t>t is </a:t>
+            </a:r>
+            <a:r>
+              <a:rPr lang="en-US" sz="4000" dirty="0"/>
+              <a:t>important to clear snow from roads as </a:t>
             </a:r>
             <a:r>
               <a:rPr lang="en-US" sz="4000" dirty="0" smtClean="0"/>
@@ -4843,7 +4839,7 @@
         </p:nvSpPr>
         <p:spPr>
           <a:xfrm>
-            <a:off x="950333" y="11447902"/>
+            <a:off x="950332" y="11103818"/>
             <a:ext cx="9817768" cy="1126206"/>
           </a:xfrm>
           <a:prstGeom prst="rect">
@@ -4886,7 +4882,7 @@
         </p:nvSpPr>
         <p:spPr>
           <a:xfrm>
-            <a:off x="966376" y="12909429"/>
+            <a:off x="978567" y="12640796"/>
             <a:ext cx="9829800" cy="4672048"/>
           </a:xfrm>
           <a:prstGeom prst="rect">
@@ -5122,8 +5118,8 @@
         </p:nvSpPr>
         <p:spPr>
           <a:xfrm>
-            <a:off x="5893468" y="19652566"/>
-            <a:ext cx="4688304" cy="3527248"/>
+            <a:off x="5893467" y="19652566"/>
+            <a:ext cx="4874633" cy="5588196"/>
           </a:xfrm>
           <a:prstGeom prst="rect">
             <a:avLst/>
@@ -5152,21 +5148,26 @@
             </a:r>
           </a:p>
           <a:p>
-            <a:pPr marL="571500" indent="-571500">
-              <a:buFont typeface="Arial" panose="020B0604020202020204" pitchFamily="34" charset="0"/>
-              <a:buChar char="•"/>
-            </a:pPr>
             <a:r>
               <a:rPr lang="en-US" sz="3600" dirty="0" smtClean="0"/>
-              <a:t>[add more]</a:t>
-            </a:r>
-            <a:endParaRPr lang="en-US" sz="3600" dirty="0" smtClean="0"/>
-          </a:p>
-          <a:p>
-            <a:pPr marL="571500" indent="-571500">
-              <a:buFont typeface="Arial" panose="020B0604020202020204" pitchFamily="34" charset="0"/>
-              <a:buChar char="•"/>
-            </a:pPr>
+              <a:t>(</a:t>
+            </a:r>
+            <a:r>
+              <a:rPr lang="en-US" sz="3600" dirty="0" smtClean="0"/>
+              <a:t>to create </a:t>
+            </a:r>
+            <a:r>
+              <a:rPr lang="en-US" sz="3600" dirty="0" smtClean="0"/>
+              <a:t>the visualization </a:t>
+            </a:r>
+            <a:r>
+              <a:rPr lang="en-US" sz="3600" dirty="0" smtClean="0"/>
+              <a:t>and perform geocoding used for street </a:t>
+            </a:r>
+            <a:r>
+              <a:rPr lang="en-US" sz="3600" dirty="0" smtClean="0"/>
+              <a:t>markers)</a:t>
+            </a:r>
             <a:endParaRPr lang="en-US" sz="3600" dirty="0" smtClean="0"/>
           </a:p>
           <a:p>
@@ -5186,8 +5187,8 @@
         </p:nvSpPr>
         <p:spPr>
           <a:xfrm>
-            <a:off x="12547854" y="2886899"/>
-            <a:ext cx="10972800" cy="1126206"/>
+            <a:off x="11963399" y="2886899"/>
+            <a:ext cx="11683605" cy="1237262"/>
           </a:xfrm>
           <a:prstGeom prst="rect">
             <a:avLst/>
@@ -5211,7 +5212,7 @@
                   <a:schemeClr val="bg1"/>
                 </a:solidFill>
               </a:rPr>
-              <a:t>Emergency Routes</a:t>
+              <a:t>Prioritizing Routes</a:t>
             </a:r>
             <a:endParaRPr lang="en-US" sz="7200" dirty="0">
               <a:solidFill>
@@ -5229,8 +5230,8 @@
         </p:nvSpPr>
         <p:spPr>
           <a:xfrm>
-            <a:off x="12547854" y="4384053"/>
-            <a:ext cx="10972800" cy="5435334"/>
+            <a:off x="11963400" y="4384053"/>
+            <a:ext cx="11683604" cy="5435334"/>
           </a:xfrm>
           <a:prstGeom prst="rect">
             <a:avLst/>
@@ -5245,11 +5246,15 @@
           <a:p>
             <a:r>
               <a:rPr lang="en-US" sz="4000" dirty="0" smtClean="0"/>
-              <a:t>Boston Open Data has a collection of “Snow Emergency Routes” which denote streets to be flowed during a snow storm. Ou</a:t>
+              <a:t>Boston Open Data has a collection of “Snow Emergency </a:t>
             </a:r>
             <a:r>
               <a:rPr lang="en-US" sz="4000" dirty="0" smtClean="0"/>
-              <a:t>r first goal is to find a “high priority set” of smaller size than the original that still satisfies the constraint that all roads must be connected to at least one emergency route.</a:t>
+              <a:t>Routes” - </a:t>
+            </a:r>
+            <a:r>
+              <a:rPr lang="en-US" sz="4000" dirty="0" smtClean="0"/>
+              <a:t>streets critical to the movement of police, ambulances, etc. during snow emergencies. Using z3-solver, we found a list of “high-priority” emergency routes by applying the constraint that all roads in the city must be connected to at least one route.</a:t>
             </a:r>
             <a:endParaRPr lang="en-US" sz="4000" dirty="0"/>
           </a:p>
@@ -5263,8 +5268,8 @@
         </p:nvSpPr>
         <p:spPr>
           <a:xfrm>
-            <a:off x="12166854" y="10196431"/>
-            <a:ext cx="10972800" cy="1022844"/>
+            <a:off x="11963399" y="11123149"/>
+            <a:ext cx="11683605" cy="1022844"/>
           </a:xfrm>
           <a:prstGeom prst="rect">
             <a:avLst/>
@@ -5289,7 +5294,7 @@
                   <a:schemeClr val="bg1"/>
                 </a:solidFill>
               </a:rPr>
-              <a:t>Algorithm: Constraint Satisfaction</a:t>
+              <a:t>Visualization</a:t>
             </a:r>
             <a:endParaRPr lang="en-US" sz="6600" dirty="0">
               <a:solidFill>
@@ -5307,8 +5312,8 @@
         </p:nvSpPr>
         <p:spPr>
           <a:xfrm>
-            <a:off x="12166854" y="11596319"/>
-            <a:ext cx="10972800" cy="13068193"/>
+            <a:off x="11963399" y="12420166"/>
+            <a:ext cx="11683605" cy="3145476"/>
           </a:xfrm>
           <a:prstGeom prst="rect">
             <a:avLst/>
@@ -5323,81 +5328,45 @@
           <a:p>
             <a:r>
               <a:rPr lang="en-US" sz="4000" dirty="0" smtClean="0"/>
-              <a:t>Using z3-solver, a library made by Microsoft to solve constraint satisfaction problems efficiently with linear programming, </a:t>
-            </a:r>
-            <a:r>
-              <a:rPr lang="en-US" sz="4000" b="1" dirty="0" smtClean="0"/>
-              <a:t>[explain </a:t>
-            </a:r>
-            <a:r>
-              <a:rPr lang="en-US" sz="4000" b="1" dirty="0" err="1" smtClean="0"/>
-              <a:t>algo</a:t>
-            </a:r>
-            <a:r>
-              <a:rPr lang="en-US" sz="4000" b="1" dirty="0" smtClean="0"/>
-              <a:t> here]</a:t>
-            </a:r>
-          </a:p>
-          <a:p>
+              <a:t>We highlighted our high priority </a:t>
+            </a:r>
+            <a:r>
+              <a:rPr lang="en-US" sz="4000" dirty="0" smtClean="0"/>
+              <a:t>routes (defined above), </a:t>
+            </a:r>
+            <a:r>
+              <a:rPr lang="en-US" sz="4000" dirty="0" smtClean="0"/>
+              <a:t>and made a </a:t>
+            </a:r>
+            <a:r>
+              <a:rPr lang="en-US" sz="4000" dirty="0" err="1" smtClean="0"/>
+              <a:t>heatmap</a:t>
+            </a:r>
+            <a:r>
+              <a:rPr lang="en-US" sz="4000" dirty="0" smtClean="0"/>
+              <a:t> overlay </a:t>
+            </a:r>
+            <a:r>
+              <a:rPr lang="en-US" sz="4000" dirty="0" smtClean="0"/>
+              <a:t>with </a:t>
+            </a:r>
+            <a:r>
+              <a:rPr lang="en-US" sz="4000" dirty="0" smtClean="0"/>
+              <a:t>epicenters </a:t>
+            </a:r>
+            <a:r>
+              <a:rPr lang="en-US" sz="4000" dirty="0" smtClean="0"/>
+              <a:t>corresponding </a:t>
+            </a:r>
+            <a:r>
+              <a:rPr lang="en-US" sz="4000" dirty="0" smtClean="0"/>
+              <a:t>to the centroids we obtained by running k-means</a:t>
+            </a:r>
+            <a:r>
+              <a:rPr lang="en-US" sz="4000" dirty="0" smtClean="0"/>
+              <a:t>.</a:t>
+            </a:r>
             <a:endParaRPr lang="en-US" sz="4000" b="1" dirty="0" smtClean="0"/>
-          </a:p>
-          <a:p>
-            <a:endParaRPr lang="en-US" sz="4000" b="1" dirty="0"/>
-          </a:p>
-          <a:p>
-            <a:r>
-              <a:rPr lang="en-US" sz="4000" b="1" dirty="0" smtClean="0"/>
-              <a:t>--------------------------------------------------------------</a:t>
-            </a:r>
-            <a:endParaRPr lang="en-US" sz="4000" b="1" dirty="0"/>
-          </a:p>
-          <a:p>
-            <a:endParaRPr lang="en-US" sz="4000" b="1" dirty="0" smtClean="0"/>
-          </a:p>
-          <a:p>
-            <a:endParaRPr lang="en-US" sz="4000" b="1" dirty="0"/>
-          </a:p>
-          <a:p>
-            <a:endParaRPr lang="en-US" sz="4000" b="1" dirty="0" smtClean="0"/>
-          </a:p>
-          <a:p>
-            <a:endParaRPr lang="en-US" sz="4000" b="1" dirty="0" smtClean="0"/>
-          </a:p>
-          <a:p>
-            <a:r>
-              <a:rPr lang="en-US" sz="4000" b="1" dirty="0" smtClean="0"/>
-              <a:t>[put screen cap here]</a:t>
-            </a:r>
-          </a:p>
-          <a:p>
-            <a:endParaRPr lang="en-US" sz="4000" b="1" dirty="0"/>
-          </a:p>
-          <a:p>
-            <a:endParaRPr lang="en-US" sz="4000" b="1" dirty="0" smtClean="0"/>
-          </a:p>
-          <a:p>
-            <a:endParaRPr lang="en-US" sz="4000" b="1" dirty="0"/>
-          </a:p>
-          <a:p>
-            <a:endParaRPr lang="en-US" sz="4000" b="1" dirty="0" smtClean="0"/>
-          </a:p>
-          <a:p>
-            <a:r>
-              <a:rPr lang="en-US" sz="4000" b="1" dirty="0" smtClean="0"/>
-              <a:t>--------------------------------------------------------------</a:t>
-            </a:r>
-            <a:endParaRPr lang="en-US" sz="4000" b="1" dirty="0"/>
-          </a:p>
-          <a:p>
-            <a:r>
-              <a:rPr lang="en-US" sz="4000" b="1" dirty="0" smtClean="0"/>
-              <a:t>[caption for screen cap here</a:t>
-            </a:r>
-            <a:r>
-              <a:rPr lang="en-US" sz="4000" b="1" dirty="0" smtClean="0"/>
-              <a:t>]</a:t>
-            </a:r>
-            <a:endParaRPr lang="en-US" sz="4000" b="1" dirty="0"/>
           </a:p>
         </p:txBody>
       </p:sp>
@@ -5409,8 +5378,8 @@
         </p:nvSpPr>
         <p:spPr>
           <a:xfrm>
-            <a:off x="24775991" y="2886899"/>
-            <a:ext cx="10972800" cy="1126206"/>
+            <a:off x="24394991" y="2886899"/>
+            <a:ext cx="11353800" cy="1237262"/>
           </a:xfrm>
           <a:prstGeom prst="rect">
             <a:avLst/>
@@ -5452,8 +5421,8 @@
         </p:nvSpPr>
         <p:spPr>
           <a:xfrm>
-            <a:off x="24775991" y="4384053"/>
-            <a:ext cx="10972800" cy="5435334"/>
+            <a:off x="24394991" y="4384053"/>
+            <a:ext cx="11353800" cy="6198620"/>
           </a:xfrm>
           <a:prstGeom prst="rect">
             <a:avLst/>
@@ -5468,7 +5437,47 @@
           <a:p>
             <a:r>
               <a:rPr lang="en-US" sz="4000" dirty="0" smtClean="0"/>
-              <a:t>Using Analyze Boston’s 2017 Property Assessment dataset, we were able to assign priorities via property type (i.e. a hospital is ranked higher than an office building) with the goal of finding k locations (with k being an input value) that should be prioritized by the city after clearing the emergency routes. </a:t>
+              <a:t>Using Analyze Boston’s “2017 Property Assessment” dataset, we selected high priority property types like hospitals, elderly homes, and schools. We then used the </a:t>
+            </a:r>
+            <a:r>
+              <a:rPr lang="en-US" sz="4000" dirty="0" err="1" smtClean="0"/>
+              <a:t>sklearn</a:t>
+            </a:r>
+            <a:r>
+              <a:rPr lang="en-US" sz="4000" dirty="0" smtClean="0"/>
+              <a:t> Python library to run k-means on a list of these properties’ </a:t>
+            </a:r>
+            <a:r>
+              <a:rPr lang="en-US" sz="4000" dirty="0" smtClean="0"/>
+              <a:t>coordinates. </a:t>
+            </a:r>
+            <a:r>
+              <a:rPr lang="en-US" sz="4000" dirty="0"/>
+              <a:t>R</a:t>
+            </a:r>
+            <a:r>
+              <a:rPr lang="en-US" sz="4000" dirty="0" smtClean="0"/>
+              <a:t>eturning k centroids, </a:t>
+            </a:r>
+            <a:r>
+              <a:rPr lang="en-US" sz="4000" dirty="0" smtClean="0"/>
+              <a:t>each </a:t>
+            </a:r>
+            <a:r>
+              <a:rPr lang="en-US" sz="4000" dirty="0" smtClean="0"/>
+              <a:t>denoted </a:t>
+            </a:r>
+            <a:r>
+              <a:rPr lang="en-US" sz="4000" dirty="0" smtClean="0"/>
+              <a:t>an area of </a:t>
+            </a:r>
+            <a:r>
+              <a:rPr lang="en-US" sz="4000" dirty="0" smtClean="0"/>
+              <a:t>importance </a:t>
+            </a:r>
+            <a:r>
+              <a:rPr lang="en-US" sz="4000" dirty="0" smtClean="0"/>
+              <a:t>as well as their nearest building of importance.</a:t>
             </a:r>
             <a:endParaRPr lang="en-US" sz="4000" dirty="0"/>
           </a:p>
@@ -5482,7 +5491,7 @@
         </p:nvSpPr>
         <p:spPr>
           <a:xfrm>
-            <a:off x="24394991" y="10196431"/>
+            <a:off x="24394991" y="11127559"/>
             <a:ext cx="10972800" cy="1122743"/>
           </a:xfrm>
           <a:prstGeom prst="rect">
@@ -5508,7 +5517,7 @@
                   <a:schemeClr val="bg1"/>
                 </a:solidFill>
               </a:rPr>
-              <a:t>Algorithm: k-means</a:t>
+              <a:t>Provenance Model</a:t>
             </a:r>
             <a:endParaRPr lang="en-US" sz="6600" dirty="0">
               <a:solidFill>
@@ -5518,16 +5527,59 @@
           </a:p>
         </p:txBody>
       </p:sp>
-      <p:sp>
-        <p:nvSpPr>
-          <p:cNvPr id="25" name="TextBox 24"/>
+      <p:pic>
+        <p:nvPicPr>
+          <p:cNvPr id="15" name="Picture 14"/>
+          <p:cNvPicPr>
+            <a:picLocks noChangeAspect="1"/>
+          </p:cNvPicPr>
+          <p:nvPr/>
+        </p:nvPicPr>
+        <p:blipFill>
+          <a:blip r:embed="rId6">
+            <a:extLst>
+              <a:ext uri="{28A0092B-C50C-407E-A947-70E740481C1C}">
+                <a14:useLocalDpi xmlns:a14="http://schemas.microsoft.com/office/drawing/2010/main" val="0"/>
+              </a:ext>
+            </a:extLst>
+          </a:blip>
+          <a:stretch>
+            <a:fillRect/>
+          </a:stretch>
+        </p:blipFill>
+        <p:spPr>
+          <a:xfrm>
+            <a:off x="11963399" y="15809005"/>
+            <a:ext cx="11683605" cy="5921344"/>
+          </a:xfrm>
+          <a:prstGeom prst="rect">
+            <a:avLst/>
+          </a:prstGeom>
+          <a:ln w="127000" cap="sq">
+            <a:solidFill>
+              <a:srgbClr val="000000"/>
+            </a:solidFill>
+            <a:miter lim="800000"/>
+          </a:ln>
+          <a:effectLst>
+            <a:outerShdw blurRad="57150" dist="50800" dir="2700000" algn="tl" rotWithShape="0">
+              <a:srgbClr val="000000">
+                <a:alpha val="40000"/>
+              </a:srgbClr>
+            </a:outerShdw>
+          </a:effectLst>
+        </p:spPr>
+      </p:pic>
+      <p:sp>
+        <p:nvSpPr>
+          <p:cNvPr id="29" name="TextBox 28"/>
           <p:cNvSpPr txBox="1"/>
           <p:nvPr/>
         </p:nvSpPr>
         <p:spPr>
           <a:xfrm>
-            <a:off x="24394991" y="11596319"/>
-            <a:ext cx="10972800" cy="13068193"/>
+            <a:off x="24394991" y="22115268"/>
+            <a:ext cx="10972800" cy="4672048"/>
           </a:xfrm>
           <a:prstGeom prst="rect">
             <a:avLst/>
@@ -5542,99 +5594,143 @@
           <a:p>
             <a:r>
               <a:rPr lang="en-US" sz="4000" dirty="0" smtClean="0"/>
-              <a:t>The </a:t>
-            </a:r>
-            <a:r>
-              <a:rPr lang="en-US" sz="4000" dirty="0" err="1" smtClean="0"/>
-              <a:t>sklearn</a:t>
+              <a:t>First, we select a list of traffic signals forming intersections on each route, and aggregate the list of intersecting streets. We flip this key-value pair, with each key being a road, and each value being a list of routes. We then run </a:t>
             </a:r>
             <a:r>
               <a:rPr lang="en-US" sz="4000" dirty="0" smtClean="0"/>
-              <a:t> Python library contains a built in function to run k-means</a:t>
-            </a:r>
+              <a:t>z3 on this result.</a:t>
+            </a:r>
+            <a:endParaRPr lang="en-US" sz="4000" b="1" dirty="0" smtClean="0"/>
+          </a:p>
+        </p:txBody>
+      </p:sp>
+      <p:sp>
+        <p:nvSpPr>
+          <p:cNvPr id="30" name="TextBox 29"/>
+          <p:cNvSpPr txBox="1"/>
+          <p:nvPr/>
+        </p:nvSpPr>
+        <p:spPr>
+          <a:xfrm>
+            <a:off x="11963399" y="22115268"/>
+            <a:ext cx="11683605" cy="3908762"/>
+          </a:xfrm>
+          <a:prstGeom prst="rect">
+            <a:avLst/>
+          </a:prstGeom>
+          <a:noFill/>
+        </p:spPr>
+        <p:txBody>
+          <a:bodyPr wrap="square" rtlCol="0">
+            <a:spAutoFit/>
+          </a:bodyPr>
+          <a:lstStyle/>
+          <a:p>
             <a:r>
               <a:rPr lang="en-US" sz="4000" dirty="0" smtClean="0"/>
-              <a:t> </a:t>
-            </a:r>
-            <a:r>
-              <a:rPr lang="en-US" sz="4000" b="1" dirty="0" smtClean="0"/>
-              <a:t>[explain </a:t>
-            </a:r>
-            <a:r>
-              <a:rPr lang="en-US" sz="4000" b="1" dirty="0" err="1" smtClean="0"/>
-              <a:t>algo</a:t>
-            </a:r>
-            <a:r>
-              <a:rPr lang="en-US" sz="4000" b="1" dirty="0" smtClean="0"/>
-              <a:t> here]</a:t>
-            </a:r>
-          </a:p>
-          <a:p>
-            <a:endParaRPr lang="en-US" sz="4000" b="1" dirty="0" smtClean="0"/>
-          </a:p>
-          <a:p>
-            <a:endParaRPr lang="en-US" sz="4000" b="1" dirty="0" smtClean="0"/>
-          </a:p>
-          <a:p>
-            <a:endParaRPr lang="en-US" sz="4000" b="1" dirty="0"/>
-          </a:p>
-          <a:p>
-            <a:r>
-              <a:rPr lang="en-US" sz="4000" b="1" dirty="0" smtClean="0"/>
-              <a:t>--------------------------------------------------------------</a:t>
-            </a:r>
-            <a:endParaRPr lang="en-US" sz="4000" b="1" dirty="0"/>
-          </a:p>
-          <a:p>
-            <a:endParaRPr lang="en-US" sz="4000" b="1" dirty="0" smtClean="0"/>
-          </a:p>
-          <a:p>
-            <a:endParaRPr lang="en-US" sz="4000" b="1" dirty="0"/>
-          </a:p>
-          <a:p>
-            <a:endParaRPr lang="en-US" sz="4000" b="1" dirty="0" smtClean="0"/>
-          </a:p>
-          <a:p>
-            <a:endParaRPr lang="en-US" sz="4000" b="1" dirty="0" smtClean="0"/>
-          </a:p>
-          <a:p>
-            <a:r>
-              <a:rPr lang="en-US" sz="4000" b="1" dirty="0" smtClean="0"/>
-              <a:t>[put screen cap here]</a:t>
-            </a:r>
-          </a:p>
-          <a:p>
-            <a:endParaRPr lang="en-US" sz="4000" b="1" dirty="0"/>
-          </a:p>
-          <a:p>
-            <a:endParaRPr lang="en-US" sz="4000" b="1" dirty="0" smtClean="0"/>
-          </a:p>
-          <a:p>
-            <a:endParaRPr lang="en-US" sz="4000" b="1" dirty="0"/>
-          </a:p>
-          <a:p>
-            <a:endParaRPr lang="en-US" sz="4000" b="1" dirty="0" smtClean="0"/>
-          </a:p>
-          <a:p>
-            <a:r>
-              <a:rPr lang="en-US" sz="4000" b="1" dirty="0" smtClean="0"/>
-              <a:t>--------------------------------------------------------------</a:t>
-            </a:r>
-            <a:endParaRPr lang="en-US" sz="4000" b="1" dirty="0"/>
-          </a:p>
-          <a:p>
-            <a:r>
-              <a:rPr lang="en-US" sz="4000" b="1" dirty="0" smtClean="0"/>
-              <a:t>[caption for screen cap here</a:t>
-            </a:r>
-            <a:r>
-              <a:rPr lang="en-US" sz="4000" b="1" dirty="0" smtClean="0"/>
-              <a:t>]</a:t>
-            </a:r>
-            <a:endParaRPr lang="en-US" sz="4000" b="1" dirty="0"/>
-          </a:p>
-        </p:txBody>
-      </p:sp>
+              <a:t>We also marked each highlighted route with its distance to its nearest centroid. The route with the smallest distance is the route of highest priority, followed by the route with the next smallest distance, and so on.</a:t>
+            </a:r>
+            <a:endParaRPr lang="en-US" sz="4000" dirty="0"/>
+          </a:p>
+        </p:txBody>
+      </p:sp>
+      <p:sp>
+        <p:nvSpPr>
+          <p:cNvPr id="31" name="TextBox 30"/>
+          <p:cNvSpPr txBox="1"/>
+          <p:nvPr/>
+        </p:nvSpPr>
+        <p:spPr>
+          <a:xfrm>
+            <a:off x="24394990" y="12456647"/>
+            <a:ext cx="11114209" cy="3071418"/>
+          </a:xfrm>
+          <a:prstGeom prst="rect">
+            <a:avLst/>
+          </a:prstGeom>
+          <a:noFill/>
+        </p:spPr>
+        <p:txBody>
+          <a:bodyPr wrap="square" rtlCol="0">
+            <a:spAutoFit/>
+          </a:bodyPr>
+          <a:lstStyle/>
+          <a:p>
+            <a:r>
+              <a:rPr lang="en-US" sz="4000" dirty="0" smtClean="0"/>
+              <a:t>The flow of data to obtain the k-means result is relatively straightforward. We simply </a:t>
+            </a:r>
+            <a:r>
+              <a:rPr lang="en-US" sz="4000" dirty="0" smtClean="0"/>
+              <a:t>performed </a:t>
+            </a:r>
+            <a:r>
+              <a:rPr lang="en-US" sz="4000" dirty="0" smtClean="0"/>
+              <a:t>a selection on the property types deemed </a:t>
+            </a:r>
+            <a:r>
+              <a:rPr lang="en-US" sz="4000" dirty="0" smtClean="0"/>
+              <a:t>“important”. </a:t>
+            </a:r>
+            <a:r>
+              <a:rPr lang="en-US" sz="4000" dirty="0"/>
+              <a:t>Finding each route is more </a:t>
+            </a:r>
+            <a:r>
+              <a:rPr lang="en-US" sz="4000" dirty="0" smtClean="0"/>
+              <a:t>involved</a:t>
+            </a:r>
+            <a:r>
+              <a:rPr lang="en-US" sz="4000" dirty="0" smtClean="0"/>
+              <a:t>:</a:t>
+            </a:r>
+            <a:endParaRPr lang="en-US" sz="4000" dirty="0" smtClean="0"/>
+          </a:p>
+        </p:txBody>
+      </p:sp>
+      <p:pic>
+        <p:nvPicPr>
+          <p:cNvPr id="32" name="Picture 31"/>
+          <p:cNvPicPr>
+            <a:picLocks noChangeAspect="1"/>
+          </p:cNvPicPr>
+          <p:nvPr/>
+        </p:nvPicPr>
+        <p:blipFill>
+          <a:blip r:embed="rId7">
+            <a:extLst>
+              <a:ext uri="{28A0092B-C50C-407E-A947-70E740481C1C}">
+                <a14:useLocalDpi xmlns:a14="http://schemas.microsoft.com/office/drawing/2010/main" val="0"/>
+              </a:ext>
+            </a:extLst>
+          </a:blip>
+          <a:stretch>
+            <a:fillRect/>
+          </a:stretch>
+        </p:blipFill>
+        <p:spPr>
+          <a:xfrm>
+            <a:off x="24394991" y="15809005"/>
+            <a:ext cx="10972800" cy="5921344"/>
+          </a:xfrm>
+          <a:prstGeom prst="rect">
+            <a:avLst/>
+          </a:prstGeom>
+          <a:ln w="127000" cap="sq">
+            <a:solidFill>
+              <a:srgbClr val="000000"/>
+            </a:solidFill>
+            <a:miter lim="800000"/>
+          </a:ln>
+          <a:effectLst>
+            <a:outerShdw blurRad="57150" dist="50800" dir="2700000" algn="tl" rotWithShape="0">
+              <a:srgbClr val="000000">
+                <a:alpha val="40000"/>
+              </a:srgbClr>
+            </a:outerShdw>
+          </a:effectLst>
+        </p:spPr>
+      </p:pic>
     </p:spTree>
   </p:cSld>
   <p:clrMapOvr>
